--- a/Ingestion API presentation/Presentation for ingestion.pptx
+++ b/Ingestion API presentation/Presentation for ingestion.pptx
@@ -108,6 +108,11 @@
       </a:defRPr>
     </a:lvl9pPr>
   </p:defaultTextStyle>
+  <p:extLst>
+    <p:ext uri="{EFAFB233-063F-42B5-8137-9DF3F51BA10A}">
+      <p15:sldGuideLst xmlns:p15="http://schemas.microsoft.com/office/powerpoint/2012/main"/>
+    </p:ext>
+  </p:extLst>
 </p:presentation>
 </file>
 
@@ -833,7 +838,7 @@
           <a:p>
             <a:fld id="{C4551D57-F317-4CC0-AD0B-F6087E24A5C9}" type="datetimeFigureOut">
               <a:rPr lang="en-GB" smtClean="0"/>
-              <a:t>28/12/2021</a:t>
+              <a:t>29/12/2021</a:t>
             </a:fld>
             <a:endParaRPr lang="en-GB"/>
           </a:p>
@@ -1084,7 +1089,7 @@
           <a:p>
             <a:fld id="{C4551D57-F317-4CC0-AD0B-F6087E24A5C9}" type="datetimeFigureOut">
               <a:rPr lang="en-GB" smtClean="0"/>
-              <a:t>28/12/2021</a:t>
+              <a:t>29/12/2021</a:t>
             </a:fld>
             <a:endParaRPr lang="en-GB"/>
           </a:p>
@@ -1398,7 +1403,7 @@
           <a:p>
             <a:fld id="{C4551D57-F317-4CC0-AD0B-F6087E24A5C9}" type="datetimeFigureOut">
               <a:rPr lang="en-GB" smtClean="0"/>
-              <a:t>28/12/2021</a:t>
+              <a:t>29/12/2021</a:t>
             </a:fld>
             <a:endParaRPr lang="en-GB"/>
           </a:p>
@@ -1739,7 +1744,7 @@
           <a:p>
             <a:fld id="{C4551D57-F317-4CC0-AD0B-F6087E24A5C9}" type="datetimeFigureOut">
               <a:rPr lang="en-GB" smtClean="0"/>
-              <a:t>28/12/2021</a:t>
+              <a:t>29/12/2021</a:t>
             </a:fld>
             <a:endParaRPr lang="en-GB"/>
           </a:p>
@@ -2053,7 +2058,7 @@
           <a:p>
             <a:fld id="{C4551D57-F317-4CC0-AD0B-F6087E24A5C9}" type="datetimeFigureOut">
               <a:rPr lang="en-GB" smtClean="0"/>
-              <a:t>28/12/2021</a:t>
+              <a:t>29/12/2021</a:t>
             </a:fld>
             <a:endParaRPr lang="en-GB"/>
           </a:p>
@@ -2446,7 +2451,7 @@
           <a:p>
             <a:fld id="{C4551D57-F317-4CC0-AD0B-F6087E24A5C9}" type="datetimeFigureOut">
               <a:rPr lang="en-GB" smtClean="0"/>
-              <a:t>28/12/2021</a:t>
+              <a:t>29/12/2021</a:t>
             </a:fld>
             <a:endParaRPr lang="en-GB"/>
           </a:p>
@@ -2616,7 +2621,7 @@
           <a:p>
             <a:fld id="{C4551D57-F317-4CC0-AD0B-F6087E24A5C9}" type="datetimeFigureOut">
               <a:rPr lang="en-GB" smtClean="0"/>
-              <a:t>28/12/2021</a:t>
+              <a:t>29/12/2021</a:t>
             </a:fld>
             <a:endParaRPr lang="en-GB"/>
           </a:p>
@@ -2796,7 +2801,7 @@
           <a:p>
             <a:fld id="{C4551D57-F317-4CC0-AD0B-F6087E24A5C9}" type="datetimeFigureOut">
               <a:rPr lang="en-GB" smtClean="0"/>
-              <a:t>28/12/2021</a:t>
+              <a:t>29/12/2021</a:t>
             </a:fld>
             <a:endParaRPr lang="en-GB"/>
           </a:p>
@@ -2972,7 +2977,7 @@
           <a:p>
             <a:fld id="{C4551D57-F317-4CC0-AD0B-F6087E24A5C9}" type="datetimeFigureOut">
               <a:rPr lang="en-GB" smtClean="0"/>
-              <a:t>28/12/2021</a:t>
+              <a:t>29/12/2021</a:t>
             </a:fld>
             <a:endParaRPr lang="en-GB"/>
           </a:p>
@@ -3219,7 +3224,7 @@
           <a:p>
             <a:fld id="{C4551D57-F317-4CC0-AD0B-F6087E24A5C9}" type="datetimeFigureOut">
               <a:rPr lang="en-GB" smtClean="0"/>
-              <a:t>28/12/2021</a:t>
+              <a:t>29/12/2021</a:t>
             </a:fld>
             <a:endParaRPr lang="en-GB"/>
           </a:p>
@@ -3451,7 +3456,7 @@
           <a:p>
             <a:fld id="{C4551D57-F317-4CC0-AD0B-F6087E24A5C9}" type="datetimeFigureOut">
               <a:rPr lang="en-GB" smtClean="0"/>
-              <a:t>28/12/2021</a:t>
+              <a:t>29/12/2021</a:t>
             </a:fld>
             <a:endParaRPr lang="en-GB"/>
           </a:p>
@@ -3825,7 +3830,7 @@
           <a:p>
             <a:fld id="{C4551D57-F317-4CC0-AD0B-F6087E24A5C9}" type="datetimeFigureOut">
               <a:rPr lang="en-GB" smtClean="0"/>
-              <a:t>28/12/2021</a:t>
+              <a:t>29/12/2021</a:t>
             </a:fld>
             <a:endParaRPr lang="en-GB"/>
           </a:p>
@@ -3948,7 +3953,7 @@
           <a:p>
             <a:fld id="{C4551D57-F317-4CC0-AD0B-F6087E24A5C9}" type="datetimeFigureOut">
               <a:rPr lang="en-GB" smtClean="0"/>
-              <a:t>28/12/2021</a:t>
+              <a:t>29/12/2021</a:t>
             </a:fld>
             <a:endParaRPr lang="en-GB"/>
           </a:p>
@@ -4043,7 +4048,7 @@
           <a:p>
             <a:fld id="{C4551D57-F317-4CC0-AD0B-F6087E24A5C9}" type="datetimeFigureOut">
               <a:rPr lang="en-GB" smtClean="0"/>
-              <a:t>28/12/2021</a:t>
+              <a:t>29/12/2021</a:t>
             </a:fld>
             <a:endParaRPr lang="en-GB"/>
           </a:p>
@@ -4298,7 +4303,7 @@
           <a:p>
             <a:fld id="{C4551D57-F317-4CC0-AD0B-F6087E24A5C9}" type="datetimeFigureOut">
               <a:rPr lang="en-GB" smtClean="0"/>
-              <a:t>28/12/2021</a:t>
+              <a:t>29/12/2021</a:t>
             </a:fld>
             <a:endParaRPr lang="en-GB"/>
           </a:p>
@@ -4561,7 +4566,7 @@
           <a:p>
             <a:fld id="{C4551D57-F317-4CC0-AD0B-F6087E24A5C9}" type="datetimeFigureOut">
               <a:rPr lang="en-GB" smtClean="0"/>
-              <a:t>28/12/2021</a:t>
+              <a:t>29/12/2021</a:t>
             </a:fld>
             <a:endParaRPr lang="en-GB"/>
           </a:p>
@@ -5304,7 +5309,7 @@
           <a:p>
             <a:fld id="{C4551D57-F317-4CC0-AD0B-F6087E24A5C9}" type="datetimeFigureOut">
               <a:rPr lang="en-GB" smtClean="0"/>
-              <a:t>28/12/2021</a:t>
+              <a:t>29/12/2021</a:t>
             </a:fld>
             <a:endParaRPr lang="en-GB"/>
           </a:p>
@@ -6223,23 +6228,27 @@
               <a:t>I can store airport data in </a:t>
             </a:r>
             <a:r>
-              <a:rPr lang="en-GB" sz="1800" dirty="0" err="1">
-                <a:effectLst/>
+              <a:rPr lang="en-GB" dirty="0">
                 <a:latin typeface="Calibri" panose="020F0502020204030204" pitchFamily="34" charset="0"/>
                 <a:ea typeface="Calibri" panose="020F0502020204030204" pitchFamily="34" charset="0"/>
                 <a:cs typeface="Times New Roman" panose="02020603050405020304" pitchFamily="18" charset="0"/>
               </a:rPr>
-              <a:t>sql</a:t>
-            </a:r>
-            <a:r>
-              <a:rPr lang="en-GB" sz="1800" dirty="0">
-                <a:effectLst/>
+              <a:t>Hadoop </a:t>
+            </a:r>
+            <a:r>
+              <a:rPr lang="en-GB">
                 <a:latin typeface="Calibri" panose="020F0502020204030204" pitchFamily="34" charset="0"/>
                 <a:ea typeface="Calibri" panose="020F0502020204030204" pitchFamily="34" charset="0"/>
                 <a:cs typeface="Times New Roman" panose="02020603050405020304" pitchFamily="18" charset="0"/>
               </a:rPr>
-              <a:t> database</a:t>
-            </a:r>
+              <a:t>file system</a:t>
+            </a:r>
+            <a:endParaRPr lang="en-GB" sz="1800" dirty="0">
+              <a:effectLst/>
+              <a:latin typeface="Calibri" panose="020F0502020204030204" pitchFamily="34" charset="0"/>
+              <a:ea typeface="Calibri" panose="020F0502020204030204" pitchFamily="34" charset="0"/>
+              <a:cs typeface="Times New Roman" panose="02020603050405020304" pitchFamily="18" charset="0"/>
+            </a:endParaRPr>
           </a:p>
           <a:p>
             <a:endParaRPr lang="en-GB" dirty="0"/>
